--- a/thesis/chapters/chapter2/Gauss.pptx
+++ b/thesis/chapters/chapter2/Gauss.pptx
@@ -106,6 +106,11 @@
       </a:defRPr>
     </a:lvl9pPr>
   </p:defaultTextStyle>
+  <p:extLst>
+    <p:ext uri="{EFAFB233-063F-42B5-8137-9DF3F51BA10A}">
+      <p15:sldGuideLst xmlns:p15="http://schemas.microsoft.com/office/powerpoint/2012/main"/>
+    </p:ext>
+  </p:extLst>
 </p:presentation>
 </file>
 
@@ -154,7 +159,6 @@
               <a:rPr lang="en-US"/>
               <a:t>Click to edit Master title style</a:t>
             </a:r>
-            <a:endParaRPr lang="en-US"/>
           </a:p>
         </p:txBody>
       </p:sp>
@@ -219,7 +223,6 @@
               <a:rPr lang="en-US"/>
               <a:t>Click to edit Master subtitle style</a:t>
             </a:r>
-            <a:endParaRPr lang="en-US"/>
           </a:p>
         </p:txBody>
       </p:sp>
@@ -240,7 +243,7 @@
           <a:p>
             <a:fld id="{7CF5AC98-CDF0-4308-AF86-0ECECE597308}" type="datetimeFigureOut">
               <a:rPr lang="en-US" smtClean="0"/>
-              <a:t>5/1/2017</a:t>
+              <a:t>5/10/2017</a:t>
             </a:fld>
             <a:endParaRPr lang="en-US"/>
           </a:p>
@@ -337,7 +340,6 @@
               <a:rPr lang="en-US"/>
               <a:t>Click to edit Master title style</a:t>
             </a:r>
-            <a:endParaRPr lang="en-US"/>
           </a:p>
         </p:txBody>
       </p:sp>
@@ -389,7 +391,6 @@
               <a:rPr lang="en-US"/>
               <a:t>Fifth level</a:t>
             </a:r>
-            <a:endParaRPr lang="en-US"/>
           </a:p>
         </p:txBody>
       </p:sp>
@@ -410,7 +411,7 @@
           <a:p>
             <a:fld id="{7CF5AC98-CDF0-4308-AF86-0ECECE597308}" type="datetimeFigureOut">
               <a:rPr lang="en-US" smtClean="0"/>
-              <a:t>5/1/2017</a:t>
+              <a:t>5/10/2017</a:t>
             </a:fld>
             <a:endParaRPr lang="en-US"/>
           </a:p>
@@ -512,7 +513,6 @@
               <a:rPr lang="en-US"/>
               <a:t>Click to edit Master title style</a:t>
             </a:r>
-            <a:endParaRPr lang="en-US"/>
           </a:p>
         </p:txBody>
       </p:sp>
@@ -569,7 +569,6 @@
               <a:rPr lang="en-US"/>
               <a:t>Fifth level</a:t>
             </a:r>
-            <a:endParaRPr lang="en-US"/>
           </a:p>
         </p:txBody>
       </p:sp>
@@ -590,7 +589,7 @@
           <a:p>
             <a:fld id="{7CF5AC98-CDF0-4308-AF86-0ECECE597308}" type="datetimeFigureOut">
               <a:rPr lang="en-US" smtClean="0"/>
-              <a:t>5/1/2017</a:t>
+              <a:t>5/10/2017</a:t>
             </a:fld>
             <a:endParaRPr lang="en-US"/>
           </a:p>
@@ -687,7 +686,6 @@
               <a:rPr lang="en-US"/>
               <a:t>Click to edit Master title style</a:t>
             </a:r>
-            <a:endParaRPr lang="en-US"/>
           </a:p>
         </p:txBody>
       </p:sp>
@@ -739,7 +737,6 @@
               <a:rPr lang="en-US"/>
               <a:t>Fifth level</a:t>
             </a:r>
-            <a:endParaRPr lang="en-US"/>
           </a:p>
         </p:txBody>
       </p:sp>
@@ -760,7 +757,7 @@
           <a:p>
             <a:fld id="{7CF5AC98-CDF0-4308-AF86-0ECECE597308}" type="datetimeFigureOut">
               <a:rPr lang="en-US" smtClean="0"/>
-              <a:t>5/1/2017</a:t>
+              <a:t>5/10/2017</a:t>
             </a:fld>
             <a:endParaRPr lang="en-US"/>
           </a:p>
@@ -866,7 +863,6 @@
               <a:rPr lang="en-US"/>
               <a:t>Click to edit Master title style</a:t>
             </a:r>
-            <a:endParaRPr lang="en-US"/>
           </a:p>
         </p:txBody>
       </p:sp>
@@ -1006,7 +1002,7 @@
           <a:p>
             <a:fld id="{7CF5AC98-CDF0-4308-AF86-0ECECE597308}" type="datetimeFigureOut">
               <a:rPr lang="en-US" smtClean="0"/>
-              <a:t>5/1/2017</a:t>
+              <a:t>5/10/2017</a:t>
             </a:fld>
             <a:endParaRPr lang="en-US"/>
           </a:p>
@@ -1103,7 +1099,6 @@
               <a:rPr lang="en-US"/>
               <a:t>Click to edit Master title style</a:t>
             </a:r>
-            <a:endParaRPr lang="en-US"/>
           </a:p>
         </p:txBody>
       </p:sp>
@@ -1160,7 +1155,6 @@
               <a:rPr lang="en-US"/>
               <a:t>Fifth level</a:t>
             </a:r>
-            <a:endParaRPr lang="en-US"/>
           </a:p>
         </p:txBody>
       </p:sp>
@@ -1217,7 +1211,6 @@
               <a:rPr lang="en-US"/>
               <a:t>Fifth level</a:t>
             </a:r>
-            <a:endParaRPr lang="en-US"/>
           </a:p>
         </p:txBody>
       </p:sp>
@@ -1238,7 +1231,7 @@
           <a:p>
             <a:fld id="{7CF5AC98-CDF0-4308-AF86-0ECECE597308}" type="datetimeFigureOut">
               <a:rPr lang="en-US" smtClean="0"/>
-              <a:t>5/1/2017</a:t>
+              <a:t>5/10/2017</a:t>
             </a:fld>
             <a:endParaRPr lang="en-US"/>
           </a:p>
@@ -1340,7 +1333,6 @@
               <a:rPr lang="en-US"/>
               <a:t>Click to edit Master title style</a:t>
             </a:r>
-            <a:endParaRPr lang="en-US"/>
           </a:p>
         </p:txBody>
       </p:sp>
@@ -1462,7 +1454,6 @@
               <a:rPr lang="en-US"/>
               <a:t>Fifth level</a:t>
             </a:r>
-            <a:endParaRPr lang="en-US"/>
           </a:p>
         </p:txBody>
       </p:sp>
@@ -1584,7 +1575,6 @@
               <a:rPr lang="en-US"/>
               <a:t>Fifth level</a:t>
             </a:r>
-            <a:endParaRPr lang="en-US"/>
           </a:p>
         </p:txBody>
       </p:sp>
@@ -1605,7 +1595,7 @@
           <a:p>
             <a:fld id="{7CF5AC98-CDF0-4308-AF86-0ECECE597308}" type="datetimeFigureOut">
               <a:rPr lang="en-US" smtClean="0"/>
-              <a:t>5/1/2017</a:t>
+              <a:t>5/10/2017</a:t>
             </a:fld>
             <a:endParaRPr lang="en-US"/>
           </a:p>
@@ -1702,7 +1692,6 @@
               <a:rPr lang="en-US"/>
               <a:t>Click to edit Master title style</a:t>
             </a:r>
-            <a:endParaRPr lang="en-US"/>
           </a:p>
         </p:txBody>
       </p:sp>
@@ -1723,7 +1712,7 @@
           <a:p>
             <a:fld id="{7CF5AC98-CDF0-4308-AF86-0ECECE597308}" type="datetimeFigureOut">
               <a:rPr lang="en-US" smtClean="0"/>
-              <a:t>5/1/2017</a:t>
+              <a:t>5/10/2017</a:t>
             </a:fld>
             <a:endParaRPr lang="en-US"/>
           </a:p>
@@ -1818,7 +1807,7 @@
           <a:p>
             <a:fld id="{7CF5AC98-CDF0-4308-AF86-0ECECE597308}" type="datetimeFigureOut">
               <a:rPr lang="en-US" smtClean="0"/>
-              <a:t>5/1/2017</a:t>
+              <a:t>5/10/2017</a:t>
             </a:fld>
             <a:endParaRPr lang="en-US"/>
           </a:p>
@@ -1924,7 +1913,6 @@
               <a:rPr lang="en-US"/>
               <a:t>Click to edit Master title style</a:t>
             </a:r>
-            <a:endParaRPr lang="en-US"/>
           </a:p>
         </p:txBody>
       </p:sp>
@@ -2009,7 +1997,6 @@
               <a:rPr lang="en-US"/>
               <a:t>Fifth level</a:t>
             </a:r>
-            <a:endParaRPr lang="en-US"/>
           </a:p>
         </p:txBody>
       </p:sp>
@@ -2095,7 +2082,7 @@
           <a:p>
             <a:fld id="{7CF5AC98-CDF0-4308-AF86-0ECECE597308}" type="datetimeFigureOut">
               <a:rPr lang="en-US" smtClean="0"/>
-              <a:t>5/1/2017</a:t>
+              <a:t>5/10/2017</a:t>
             </a:fld>
             <a:endParaRPr lang="en-US"/>
           </a:p>
@@ -2201,7 +2188,6 @@
               <a:rPr lang="en-US"/>
               <a:t>Click to edit Master title style</a:t>
             </a:r>
-            <a:endParaRPr lang="en-US"/>
           </a:p>
         </p:txBody>
       </p:sp>
@@ -2348,7 +2334,7 @@
           <a:p>
             <a:fld id="{7CF5AC98-CDF0-4308-AF86-0ECECE597308}" type="datetimeFigureOut">
               <a:rPr lang="en-US" smtClean="0"/>
-              <a:t>5/1/2017</a:t>
+              <a:t>5/10/2017</a:t>
             </a:fld>
             <a:endParaRPr lang="en-US"/>
           </a:p>
@@ -2460,7 +2446,6 @@
               <a:rPr lang="en-US"/>
               <a:t>Click to edit Master title style</a:t>
             </a:r>
-            <a:endParaRPr lang="en-US"/>
           </a:p>
         </p:txBody>
       </p:sp>
@@ -2522,7 +2507,6 @@
               <a:rPr lang="en-US"/>
               <a:t>Fifth level</a:t>
             </a:r>
-            <a:endParaRPr lang="en-US"/>
           </a:p>
         </p:txBody>
       </p:sp>
@@ -2561,7 +2545,7 @@
           <a:p>
             <a:fld id="{7CF5AC98-CDF0-4308-AF86-0ECECE597308}" type="datetimeFigureOut">
               <a:rPr lang="en-US" smtClean="0"/>
-              <a:t>5/1/2017</a:t>
+              <a:t>5/10/2017</a:t>
             </a:fld>
             <a:endParaRPr lang="en-US"/>
           </a:p>
@@ -3288,7 +3272,9 @@
           <a:lstStyle/>
           <a:p>
             <a:r>
-              <a:rPr lang="en-US" sz="1600" dirty="0"/>
+              <a:rPr lang="en-US" sz="1600" dirty="0">
+                <a:latin typeface="+mn-lt"/>
+              </a:rPr>
               <a:t>Object</a:t>
             </a:r>
           </a:p>
@@ -3587,14 +3573,9 @@
           <a:lstStyle/>
           <a:p>
             <a:r>
-              <a:rPr lang="en-US" sz="1600" dirty="0">
-                <a:latin typeface="+mj-lt"/>
-              </a:rPr>
+              <a:rPr lang="en-US" sz="1600" dirty="0"/>
               <a:t>Image</a:t>
             </a:r>
-            <a:endParaRPr lang="en-US" sz="1600" dirty="0">
-              <a:latin typeface="+mj-lt"/>
-            </a:endParaRPr>
           </a:p>
         </p:txBody>
       </p:sp>
@@ -3695,12 +3676,11 @@
               <a:rPr lang="en-US" dirty="0"/>
               <a:t>Gaussian Ray Tracing</a:t>
             </a:r>
-            <a:endParaRPr lang="en-US" dirty="0"/>
-          </a:p>
-        </p:txBody>
-      </p:sp>
-      <mc:AlternateContent xmlns:mc="http://schemas.openxmlformats.org/markup-compatibility/2006">
-        <mc:Choice xmlns:a14="http://schemas.microsoft.com/office/drawing/2010/main" Requires="a14">
+          </a:p>
+        </p:txBody>
+      </p:sp>
+      <mc:AlternateContent xmlns:mc="http://schemas.openxmlformats.org/markup-compatibility/2006" xmlns:a14="http://schemas.microsoft.com/office/drawing/2010/main">
+        <mc:Choice Requires="a14">
           <p:sp>
             <p:nvSpPr>
               <p:cNvPr id="73" name="Rectangle 72"/>
@@ -3722,6 +3702,7 @@
               </a:bodyPr>
               <a:lstStyle/>
               <a:p>
+                <a:pPr/>
                 <a14:m>
                   <m:oMathPara xmlns:m="http://schemas.openxmlformats.org/officeDocument/2006/math">
                     <m:oMathParaPr>
@@ -3761,7 +3742,7 @@
             </p:txBody>
           </p:sp>
         </mc:Choice>
-        <mc:Fallback>
+        <mc:Fallback xmlns="">
           <p:sp>
             <p:nvSpPr>
               <p:cNvPr id="73" name="Rectangle 72"/>
@@ -3800,8 +3781,8 @@
           </p:sp>
         </mc:Fallback>
       </mc:AlternateContent>
-      <mc:AlternateContent xmlns:mc="http://schemas.openxmlformats.org/markup-compatibility/2006">
-        <mc:Choice xmlns:a14="http://schemas.microsoft.com/office/drawing/2010/main" Requires="a14">
+      <mc:AlternateContent xmlns:mc="http://schemas.openxmlformats.org/markup-compatibility/2006" xmlns:a14="http://schemas.microsoft.com/office/drawing/2010/main">
+        <mc:Choice Requires="a14">
           <p:sp>
             <p:nvSpPr>
               <p:cNvPr id="74" name="Rectangle 73"/>
@@ -3863,7 +3844,7 @@
             </p:txBody>
           </p:sp>
         </mc:Choice>
-        <mc:Fallback>
+        <mc:Fallback xmlns="">
           <p:sp>
             <p:nvSpPr>
               <p:cNvPr id="74" name="Rectangle 73"/>
@@ -3902,6 +3883,112 @@
           </p:sp>
         </mc:Fallback>
       </mc:AlternateContent>
+      <p:sp>
+        <p:nvSpPr>
+          <p:cNvPr id="25" name="Title 30"/>
+          <p:cNvSpPr txBox="1">
+            <a:spLocks/>
+          </p:cNvSpPr>
+          <p:nvPr/>
+        </p:nvSpPr>
+        <p:spPr>
+          <a:xfrm>
+            <a:off x="5379616" y="2588426"/>
+            <a:ext cx="993656" cy="328642"/>
+          </a:xfrm>
+          <a:prstGeom prst="rect">
+            <a:avLst/>
+          </a:prstGeom>
+        </p:spPr>
+        <p:txBody>
+          <a:bodyPr vert="horz" lIns="91440" tIns="45720" rIns="91440" bIns="45720" rtlCol="0" anchor="ctr">
+            <a:noAutofit/>
+          </a:bodyPr>
+          <a:lstStyle>
+            <a:lvl1pPr algn="l" defTabSz="914400" rtl="0" eaLnBrk="1" latinLnBrk="0" hangingPunct="1">
+              <a:lnSpc>
+                <a:spcPct val="90000"/>
+              </a:lnSpc>
+              <a:spcBef>
+                <a:spcPct val="0"/>
+              </a:spcBef>
+              <a:buNone/>
+              <a:defRPr sz="4400" kern="1200">
+                <a:solidFill>
+                  <a:schemeClr val="tx1"/>
+                </a:solidFill>
+                <a:latin typeface="+mj-lt"/>
+                <a:ea typeface="+mj-ea"/>
+                <a:cs typeface="+mj-cs"/>
+              </a:defRPr>
+            </a:lvl1pPr>
+          </a:lstStyle>
+          <a:p>
+            <a:r>
+              <a:rPr lang="en-US" sz="1400" dirty="0">
+                <a:latin typeface="+mn-lt"/>
+              </a:rPr>
+              <a:t>Chief Ray</a:t>
+            </a:r>
+          </a:p>
+        </p:txBody>
+      </p:sp>
+      <p:sp>
+        <p:nvSpPr>
+          <p:cNvPr id="2" name="Rectangle 1"/>
+          <p:cNvSpPr/>
+          <p:nvPr/>
+        </p:nvSpPr>
+        <p:spPr>
+          <a:xfrm>
+            <a:off x="4895211" y="1798736"/>
+            <a:ext cx="1023422" cy="307777"/>
+          </a:xfrm>
+          <a:prstGeom prst="rect">
+            <a:avLst/>
+          </a:prstGeom>
+        </p:spPr>
+        <p:txBody>
+          <a:bodyPr wrap="none">
+            <a:spAutoFit/>
+          </a:bodyPr>
+          <a:lstStyle/>
+          <a:p>
+            <a:r>
+              <a:rPr lang="en-US" sz="1400" dirty="0"/>
+              <a:t>Parallel Ray</a:t>
+            </a:r>
+          </a:p>
+        </p:txBody>
+      </p:sp>
+      <p:sp>
+        <p:nvSpPr>
+          <p:cNvPr id="4" name="Rectangle 3"/>
+          <p:cNvSpPr/>
+          <p:nvPr/>
+        </p:nvSpPr>
+        <p:spPr>
+          <a:xfrm>
+            <a:off x="5488435" y="3712891"/>
+            <a:ext cx="863506" cy="307777"/>
+          </a:xfrm>
+          <a:prstGeom prst="rect">
+            <a:avLst/>
+          </a:prstGeom>
+        </p:spPr>
+        <p:txBody>
+          <a:bodyPr wrap="none">
+            <a:spAutoFit/>
+          </a:bodyPr>
+          <a:lstStyle/>
+          <a:p>
+            <a:r>
+              <a:rPr lang="en-US" sz="1400" dirty="0"/>
+              <a:t>Focal Ray</a:t>
+            </a:r>
+          </a:p>
+        </p:txBody>
+      </p:sp>
     </p:spTree>
     <p:extLst>
       <p:ext uri="{BB962C8B-B14F-4D97-AF65-F5344CB8AC3E}">
@@ -4558,9 +4645,6 @@
               </a:rPr>
               <a:t>Image</a:t>
             </a:r>
-            <a:endParaRPr lang="en-US" sz="1600" dirty="0">
-              <a:latin typeface="+mj-lt"/>
-            </a:endParaRPr>
           </a:p>
         </p:txBody>
       </p:sp>
@@ -4699,9 +4783,6 @@
               </a:rPr>
               <a:t>Focal Plane</a:t>
             </a:r>
-            <a:endParaRPr lang="en-US" sz="1600" dirty="0">
-              <a:latin typeface="+mj-lt"/>
-            </a:endParaRPr>
           </a:p>
         </p:txBody>
       </p:sp>
@@ -4768,9 +4849,6 @@
               </a:rPr>
               <a:t>Sensor</a:t>
             </a:r>
-            <a:endParaRPr lang="en-US" sz="1600" dirty="0">
-              <a:latin typeface="+mj-lt"/>
-            </a:endParaRPr>
           </a:p>
         </p:txBody>
       </p:sp>
@@ -5458,9 +5536,6 @@
               </a:rPr>
               <a:t>Image</a:t>
             </a:r>
-            <a:endParaRPr lang="en-US" sz="1600" dirty="0">
-              <a:latin typeface="+mj-lt"/>
-            </a:endParaRPr>
           </a:p>
         </p:txBody>
       </p:sp>
@@ -5599,9 +5674,6 @@
               </a:rPr>
               <a:t>Focal Plane</a:t>
             </a:r>
-            <a:endParaRPr lang="en-US" sz="1600" dirty="0">
-              <a:latin typeface="+mj-lt"/>
-            </a:endParaRPr>
           </a:p>
         </p:txBody>
       </p:sp>
@@ -5668,9 +5740,6 @@
               </a:rPr>
               <a:t>Sensor</a:t>
             </a:r>
-            <a:endParaRPr lang="en-US" sz="1600" dirty="0">
-              <a:latin typeface="+mj-lt"/>
-            </a:endParaRPr>
           </a:p>
         </p:txBody>
       </p:sp>

--- a/thesis/chapters/chapter2/Gauss.pptx
+++ b/thesis/chapters/chapter2/Gauss.pptx
@@ -243,7 +243,7 @@
           <a:p>
             <a:fld id="{7CF5AC98-CDF0-4308-AF86-0ECECE597308}" type="datetimeFigureOut">
               <a:rPr lang="en-US" smtClean="0"/>
-              <a:t>5/10/2017</a:t>
+              <a:t>5/12/2017</a:t>
             </a:fld>
             <a:endParaRPr lang="en-US"/>
           </a:p>
@@ -411,7 +411,7 @@
           <a:p>
             <a:fld id="{7CF5AC98-CDF0-4308-AF86-0ECECE597308}" type="datetimeFigureOut">
               <a:rPr lang="en-US" smtClean="0"/>
-              <a:t>5/10/2017</a:t>
+              <a:t>5/12/2017</a:t>
             </a:fld>
             <a:endParaRPr lang="en-US"/>
           </a:p>
@@ -589,7 +589,7 @@
           <a:p>
             <a:fld id="{7CF5AC98-CDF0-4308-AF86-0ECECE597308}" type="datetimeFigureOut">
               <a:rPr lang="en-US" smtClean="0"/>
-              <a:t>5/10/2017</a:t>
+              <a:t>5/12/2017</a:t>
             </a:fld>
             <a:endParaRPr lang="en-US"/>
           </a:p>
@@ -757,7 +757,7 @@
           <a:p>
             <a:fld id="{7CF5AC98-CDF0-4308-AF86-0ECECE597308}" type="datetimeFigureOut">
               <a:rPr lang="en-US" smtClean="0"/>
-              <a:t>5/10/2017</a:t>
+              <a:t>5/12/2017</a:t>
             </a:fld>
             <a:endParaRPr lang="en-US"/>
           </a:p>
@@ -1002,7 +1002,7 @@
           <a:p>
             <a:fld id="{7CF5AC98-CDF0-4308-AF86-0ECECE597308}" type="datetimeFigureOut">
               <a:rPr lang="en-US" smtClean="0"/>
-              <a:t>5/10/2017</a:t>
+              <a:t>5/12/2017</a:t>
             </a:fld>
             <a:endParaRPr lang="en-US"/>
           </a:p>
@@ -1231,7 +1231,7 @@
           <a:p>
             <a:fld id="{7CF5AC98-CDF0-4308-AF86-0ECECE597308}" type="datetimeFigureOut">
               <a:rPr lang="en-US" smtClean="0"/>
-              <a:t>5/10/2017</a:t>
+              <a:t>5/12/2017</a:t>
             </a:fld>
             <a:endParaRPr lang="en-US"/>
           </a:p>
@@ -1595,7 +1595,7 @@
           <a:p>
             <a:fld id="{7CF5AC98-CDF0-4308-AF86-0ECECE597308}" type="datetimeFigureOut">
               <a:rPr lang="en-US" smtClean="0"/>
-              <a:t>5/10/2017</a:t>
+              <a:t>5/12/2017</a:t>
             </a:fld>
             <a:endParaRPr lang="en-US"/>
           </a:p>
@@ -1712,7 +1712,7 @@
           <a:p>
             <a:fld id="{7CF5AC98-CDF0-4308-AF86-0ECECE597308}" type="datetimeFigureOut">
               <a:rPr lang="en-US" smtClean="0"/>
-              <a:t>5/10/2017</a:t>
+              <a:t>5/12/2017</a:t>
             </a:fld>
             <a:endParaRPr lang="en-US"/>
           </a:p>
@@ -1807,7 +1807,7 @@
           <a:p>
             <a:fld id="{7CF5AC98-CDF0-4308-AF86-0ECECE597308}" type="datetimeFigureOut">
               <a:rPr lang="en-US" smtClean="0"/>
-              <a:t>5/10/2017</a:t>
+              <a:t>5/12/2017</a:t>
             </a:fld>
             <a:endParaRPr lang="en-US"/>
           </a:p>
@@ -2082,7 +2082,7 @@
           <a:p>
             <a:fld id="{7CF5AC98-CDF0-4308-AF86-0ECECE597308}" type="datetimeFigureOut">
               <a:rPr lang="en-US" smtClean="0"/>
-              <a:t>5/10/2017</a:t>
+              <a:t>5/12/2017</a:t>
             </a:fld>
             <a:endParaRPr lang="en-US"/>
           </a:p>
@@ -2334,7 +2334,7 @@
           <a:p>
             <a:fld id="{7CF5AC98-CDF0-4308-AF86-0ECECE597308}" type="datetimeFigureOut">
               <a:rPr lang="en-US" smtClean="0"/>
-              <a:t>5/10/2017</a:t>
+              <a:t>5/12/2017</a:t>
             </a:fld>
             <a:endParaRPr lang="en-US"/>
           </a:p>
@@ -2545,7 +2545,7 @@
           <a:p>
             <a:fld id="{7CF5AC98-CDF0-4308-AF86-0ECECE597308}" type="datetimeFigureOut">
               <a:rPr lang="en-US" smtClean="0"/>
-              <a:t>5/10/2017</a:t>
+              <a:t>5/12/2017</a:t>
             </a:fld>
             <a:endParaRPr lang="en-US"/>
           </a:p>
@@ -4765,7 +4765,7 @@
         <p:spPr>
           <a:xfrm>
             <a:off x="1181735" y="5273076"/>
-            <a:ext cx="1121076" cy="338554"/>
+            <a:ext cx="1157881" cy="338554"/>
           </a:xfrm>
           <a:prstGeom prst="rect">
             <a:avLst/>
@@ -4781,7 +4781,7 @@
               <a:rPr lang="en-US" sz="1600" dirty="0">
                 <a:latin typeface="+mj-lt"/>
               </a:rPr>
-              <a:t>Focal Plane</a:t>
+              <a:t>Focus Plane</a:t>
             </a:r>
           </a:p>
         </p:txBody>
@@ -5656,7 +5656,7 @@
         <p:spPr>
           <a:xfrm>
             <a:off x="3447403" y="5344092"/>
-            <a:ext cx="1121076" cy="338554"/>
+            <a:ext cx="1157881" cy="338554"/>
           </a:xfrm>
           <a:prstGeom prst="rect">
             <a:avLst/>
@@ -5672,7 +5672,7 @@
               <a:rPr lang="en-US" sz="1600" dirty="0">
                 <a:latin typeface="+mj-lt"/>
               </a:rPr>
-              <a:t>Focal Plane</a:t>
+              <a:t>Focus Plane</a:t>
             </a:r>
           </a:p>
         </p:txBody>
